--- a/Complimentary Course Content/Module6/Lessons/Module6_Lesson2 IoT in Azure.pptx
+++ b/Complimentary Course Content/Module6/Lessons/Module6_Lesson2 IoT in Azure.pptx
@@ -165,7 +165,7 @@
       </p14:sectionLst>
     </p:ext>
     <p:ext uri="{EFAFB233-063F-42B5-8137-9DF3F51BA10A}">
-      <p15:sldGuideLst xmlns:p15="http://schemas.microsoft.com/office/powerpoint/2012/main" xmlns="">
+      <p15:sldGuideLst xmlns="" xmlns:p15="http://schemas.microsoft.com/office/powerpoint/2012/main">
         <p15:guide id="1" orient="horz" pos="2137" userDrawn="1">
           <p15:clr>
             <a:srgbClr val="A4A3A4"/>
@@ -179,7 +179,7 @@
       </p15:sldGuideLst>
     </p:ext>
     <p:ext uri="{2D200454-40CA-4A62-9FC3-DE9A4176ACB9}">
-      <p15:notesGuideLst xmlns:p15="http://schemas.microsoft.com/office/powerpoint/2012/main" xmlns=""/>
+      <p15:notesGuideLst xmlns="" xmlns:p15="http://schemas.microsoft.com/office/powerpoint/2012/main"/>
     </p:ext>
   </p:extLst>
 </p:presentation>
@@ -275,7 +275,7 @@
             <a:fld id="{30A74B2F-3EEF-410A-B738-5B66A46A3256}" type="datetimeFigureOut">
               <a:rPr lang="en-US" smtClean="0"/>
               <a:pPr/>
-              <a:t>6/7/16</a:t>
+              <a:t>7/7/16</a:t>
             </a:fld>
             <a:endParaRPr lang="en-US"/>
           </a:p>
@@ -442,7 +442,7 @@
             <a:fld id="{2E5CA586-3557-4985-BCD4-35EF5AC8B4A4}" type="datetimeFigureOut">
               <a:rPr lang="en-US" smtClean="0"/>
               <a:pPr/>
-              <a:t>6/7/16</a:t>
+              <a:t>7/7/16</a:t>
             </a:fld>
             <a:endParaRPr lang="en-US"/>
           </a:p>
@@ -3293,15 +3293,7 @@
                   <a:srgbClr val="0000FF"/>
                 </a:solidFill>
               </a:rPr>
-              <a:t>WSN</a:t>
-            </a:r>
-            <a:r>
-              <a:rPr lang="en-US" altLang="ko-KR" dirty="0" smtClean="0">
-                <a:solidFill>
-                  <a:srgbClr val="0000FF"/>
-                </a:solidFill>
-              </a:rPr>
-              <a:t>: </a:t>
+              <a:t>WSN: </a:t>
             </a:r>
             <a:r>
               <a:rPr lang="en-US" altLang="ko-KR" dirty="0">
@@ -11863,7 +11855,7 @@
                 <a:latin typeface="Segoe UI"/>
               </a:rPr>
               <a:pPr/>
-              <a:t>6/7/16</a:t>
+              <a:t>7/7/16</a:t>
             </a:fld>
             <a:endParaRPr lang="en-US">
               <a:solidFill>
@@ -12068,7 +12060,7 @@
                 <a:latin typeface="Segoe UI"/>
               </a:rPr>
               <a:pPr/>
-              <a:t>6/7/16</a:t>
+              <a:t>7/7/16</a:t>
             </a:fld>
             <a:endParaRPr lang="en-US">
               <a:solidFill>
@@ -12366,7 +12358,7 @@
                 <a:latin typeface="Segoe UI"/>
               </a:rPr>
               <a:pPr/>
-              <a:t>6/7/16</a:t>
+              <a:t>7/7/16</a:t>
             </a:fld>
             <a:endParaRPr lang="en-US">
               <a:solidFill>
@@ -12710,7 +12702,7 @@
                 <a:latin typeface="Segoe UI"/>
               </a:rPr>
               <a:pPr/>
-              <a:t>6/7/16</a:t>
+              <a:t>7/7/16</a:t>
             </a:fld>
             <a:endParaRPr lang="en-US">
               <a:solidFill>
@@ -13085,7 +13077,7 @@
                 <a:latin typeface="Segoe UI"/>
               </a:rPr>
               <a:pPr/>
-              <a:t>6/7/16</a:t>
+              <a:t>7/7/16</a:t>
             </a:fld>
             <a:endParaRPr lang="en-US">
               <a:solidFill>
@@ -14396,7 +14388,7 @@
                 <a:latin typeface="Segoe UI"/>
               </a:rPr>
               <a:pPr/>
-              <a:t>6/7/16</a:t>
+              <a:t>7/7/16</a:t>
             </a:fld>
             <a:endParaRPr lang="en-US">
               <a:solidFill>
@@ -14797,7 +14789,7 @@
                 <a:latin typeface="Segoe UI"/>
               </a:rPr>
               <a:pPr/>
-              <a:t>6/7/16</a:t>
+              <a:t>7/7/16</a:t>
             </a:fld>
             <a:endParaRPr lang="en-US">
               <a:solidFill>
@@ -14951,7 +14943,7 @@
                 <a:latin typeface="Segoe UI"/>
               </a:rPr>
               <a:pPr/>
-              <a:t>6/7/16</a:t>
+              <a:t>7/7/16</a:t>
             </a:fld>
             <a:endParaRPr lang="en-US">
               <a:solidFill>
@@ -15083,7 +15075,7 @@
                 <a:latin typeface="Segoe UI"/>
               </a:rPr>
               <a:pPr/>
-              <a:t>6/7/16</a:t>
+              <a:t>7/7/16</a:t>
             </a:fld>
             <a:endParaRPr lang="en-US">
               <a:solidFill>
@@ -15395,7 +15387,7 @@
                 <a:latin typeface="Segoe UI"/>
               </a:rPr>
               <a:pPr/>
-              <a:t>6/7/16</a:t>
+              <a:t>7/7/16</a:t>
             </a:fld>
             <a:endParaRPr lang="en-US">
               <a:solidFill>
@@ -15684,7 +15676,7 @@
                 <a:latin typeface="Segoe UI"/>
               </a:rPr>
               <a:pPr/>
-              <a:t>6/7/16</a:t>
+              <a:t>7/7/16</a:t>
             </a:fld>
             <a:endParaRPr lang="en-US">
               <a:solidFill>
@@ -15889,7 +15881,7 @@
                 <a:latin typeface="Segoe UI"/>
               </a:rPr>
               <a:pPr/>
-              <a:t>6/7/16</a:t>
+              <a:t>7/7/16</a:t>
             </a:fld>
             <a:endParaRPr lang="en-US">
               <a:solidFill>
@@ -16104,7 +16096,7 @@
                 <a:latin typeface="Segoe UI"/>
               </a:rPr>
               <a:pPr/>
-              <a:t>6/7/16</a:t>
+              <a:t>7/7/16</a:t>
             </a:fld>
             <a:endParaRPr lang="en-US">
               <a:solidFill>
@@ -16347,7 +16339,7 @@
                 <a:latin typeface="Segoe UI"/>
               </a:rPr>
               <a:pPr/>
-              <a:t>6/7/16</a:t>
+              <a:t>7/7/16</a:t>
             </a:fld>
             <a:endParaRPr lang="en-US">
               <a:solidFill>
@@ -16552,7 +16544,7 @@
                 <a:latin typeface="Segoe UI"/>
               </a:rPr>
               <a:pPr/>
-              <a:t>6/7/16</a:t>
+              <a:t>7/7/16</a:t>
             </a:fld>
             <a:endParaRPr lang="en-US">
               <a:solidFill>
@@ -17307,7 +17299,7 @@
                 <a:latin typeface="Segoe UI"/>
               </a:rPr>
               <a:pPr/>
-              <a:t>6/7/16</a:t>
+              <a:t>7/7/16</a:t>
             </a:fld>
             <a:endParaRPr lang="en-US">
               <a:solidFill>
@@ -17651,7 +17643,7 @@
                 <a:latin typeface="Segoe UI"/>
               </a:rPr>
               <a:pPr/>
-              <a:t>6/7/16</a:t>
+              <a:t>7/7/16</a:t>
             </a:fld>
             <a:endParaRPr lang="en-US">
               <a:solidFill>
@@ -18026,7 +18018,7 @@
                 <a:latin typeface="Segoe UI"/>
               </a:rPr>
               <a:pPr/>
-              <a:t>6/7/16</a:t>
+              <a:t>7/7/16</a:t>
             </a:fld>
             <a:endParaRPr lang="en-US">
               <a:solidFill>
@@ -18970,7 +18962,7 @@
                 <a:latin typeface="Segoe UI"/>
               </a:rPr>
               <a:pPr/>
-              <a:t>6/7/16</a:t>
+              <a:t>7/7/16</a:t>
             </a:fld>
             <a:endParaRPr lang="en-US">
               <a:solidFill>
@@ -19371,7 +19363,7 @@
                 <a:latin typeface="Segoe UI"/>
               </a:rPr>
               <a:pPr/>
-              <a:t>6/7/16</a:t>
+              <a:t>7/7/16</a:t>
             </a:fld>
             <a:endParaRPr lang="en-US">
               <a:solidFill>
@@ -19525,7 +19517,7 @@
                 <a:latin typeface="Segoe UI"/>
               </a:rPr>
               <a:pPr/>
-              <a:t>6/7/16</a:t>
+              <a:t>7/7/16</a:t>
             </a:fld>
             <a:endParaRPr lang="en-US">
               <a:solidFill>
@@ -19657,7 +19649,7 @@
                 <a:latin typeface="Segoe UI"/>
               </a:rPr>
               <a:pPr/>
-              <a:t>6/7/16</a:t>
+              <a:t>7/7/16</a:t>
             </a:fld>
             <a:endParaRPr lang="en-US">
               <a:solidFill>
@@ -20532,7 +20524,7 @@
                 <a:latin typeface="Segoe UI"/>
               </a:rPr>
               <a:pPr/>
-              <a:t>6/7/16</a:t>
+              <a:t>7/7/16</a:t>
             </a:fld>
             <a:endParaRPr lang="en-US">
               <a:solidFill>
@@ -20821,7 +20813,7 @@
                 <a:latin typeface="Segoe UI"/>
               </a:rPr>
               <a:pPr/>
-              <a:t>6/7/16</a:t>
+              <a:t>7/7/16</a:t>
             </a:fld>
             <a:endParaRPr lang="en-US">
               <a:solidFill>
@@ -21026,7 +21018,7 @@
                 <a:latin typeface="Segoe UI"/>
               </a:rPr>
               <a:pPr/>
-              <a:t>6/7/16</a:t>
+              <a:t>7/7/16</a:t>
             </a:fld>
             <a:endParaRPr lang="en-US">
               <a:solidFill>
@@ -21241,7 +21233,7 @@
                 <a:latin typeface="Segoe UI"/>
               </a:rPr>
               <a:pPr/>
-              <a:t>6/7/16</a:t>
+              <a:t>7/7/16</a:t>
             </a:fld>
             <a:endParaRPr lang="en-US">
               <a:solidFill>
@@ -22926,7 +22918,7 @@
                 <a:latin typeface="Segoe UI"/>
               </a:rPr>
               <a:pPr/>
-              <a:t>6/7/16</a:t>
+              <a:t>7/7/16</a:t>
             </a:fld>
             <a:endParaRPr lang="en-US">
               <a:solidFill>
@@ -23506,7 +23498,7 @@
                 <a:latin typeface="Segoe UI"/>
               </a:rPr>
               <a:pPr/>
-              <a:t>6/7/16</a:t>
+              <a:t>7/7/16</a:t>
             </a:fld>
             <a:endParaRPr lang="en-US">
               <a:solidFill>
@@ -28068,11 +28060,7 @@
               </a:r>
               <a:r>
                 <a:rPr lang="en-US" altLang="ko-KR" i="0" dirty="0" smtClean="0"/>
-                <a:t>of </a:t>
-              </a:r>
-              <a:r>
-                <a:rPr lang="en-US" altLang="ko-KR" i="0" dirty="0" smtClean="0"/>
-                <a:t>Networks </a:t>
+                <a:t>of Networks </a:t>
               </a:r>
               <a:r>
                 <a:rPr lang="en-US" altLang="ko-KR" i="0" dirty="0"/>
@@ -28173,42 +28161,42 @@
                 <a:gridCol w="1954988">
                   <a:extLst>
                     <a:ext uri="{9D8B030D-6E8A-4147-A177-3AD203B41FA5}">
-                      <a16:colId xmlns="" xmlns:a16="http://schemas.microsoft.com/office/drawing/2014/main" val="48614039"/>
+                      <a16:colId xmlns:a16="http://schemas.microsoft.com/office/drawing/2014/main" xmlns="" val="48614039"/>
                     </a:ext>
                   </a:extLst>
                 </a:gridCol>
                 <a:gridCol w="1698774">
                   <a:extLst>
                     <a:ext uri="{9D8B030D-6E8A-4147-A177-3AD203B41FA5}">
-                      <a16:colId xmlns="" xmlns:a16="http://schemas.microsoft.com/office/drawing/2014/main" val="1124546490"/>
+                      <a16:colId xmlns:a16="http://schemas.microsoft.com/office/drawing/2014/main" xmlns="" val="1124546490"/>
                     </a:ext>
                   </a:extLst>
                 </a:gridCol>
                 <a:gridCol w="1698773">
                   <a:extLst>
                     <a:ext uri="{9D8B030D-6E8A-4147-A177-3AD203B41FA5}">
-                      <a16:colId xmlns="" xmlns:a16="http://schemas.microsoft.com/office/drawing/2014/main" val="3952810929"/>
+                      <a16:colId xmlns:a16="http://schemas.microsoft.com/office/drawing/2014/main" xmlns="" val="3952810929"/>
                     </a:ext>
                   </a:extLst>
                 </a:gridCol>
                 <a:gridCol w="1874844">
                   <a:extLst>
                     <a:ext uri="{9D8B030D-6E8A-4147-A177-3AD203B41FA5}">
-                      <a16:colId xmlns="" xmlns:a16="http://schemas.microsoft.com/office/drawing/2014/main" val="3389378268"/>
+                      <a16:colId xmlns:a16="http://schemas.microsoft.com/office/drawing/2014/main" xmlns="" val="3389378268"/>
                     </a:ext>
                   </a:extLst>
                 </a:gridCol>
                 <a:gridCol w="1522703">
                   <a:extLst>
                     <a:ext uri="{9D8B030D-6E8A-4147-A177-3AD203B41FA5}">
-                      <a16:colId xmlns="" xmlns:a16="http://schemas.microsoft.com/office/drawing/2014/main" val="2691826141"/>
+                      <a16:colId xmlns:a16="http://schemas.microsoft.com/office/drawing/2014/main" xmlns="" val="2691826141"/>
                     </a:ext>
                   </a:extLst>
                 </a:gridCol>
                 <a:gridCol w="1698774">
                   <a:extLst>
                     <a:ext uri="{9D8B030D-6E8A-4147-A177-3AD203B41FA5}">
-                      <a16:colId xmlns="" xmlns:a16="http://schemas.microsoft.com/office/drawing/2014/main" val="740133587"/>
+                      <a16:colId xmlns:a16="http://schemas.microsoft.com/office/drawing/2014/main" xmlns="" val="740133587"/>
                     </a:ext>
                   </a:extLst>
                 </a:gridCol>
@@ -28361,7 +28349,7 @@
                 </a:tc>
                 <a:extLst>
                   <a:ext uri="{0D108BD9-81ED-4DB2-BD59-A6C34878D82A}">
-                    <a16:rowId xmlns="" xmlns:a16="http://schemas.microsoft.com/office/drawing/2014/main" val="679667022"/>
+                    <a16:rowId xmlns:a16="http://schemas.microsoft.com/office/drawing/2014/main" xmlns="" val="679667022"/>
                   </a:ext>
                 </a:extLst>
               </a:tr>
@@ -28488,7 +28476,7 @@
                 </a:tc>
                 <a:extLst>
                   <a:ext uri="{0D108BD9-81ED-4DB2-BD59-A6C34878D82A}">
-                    <a16:rowId xmlns="" xmlns:a16="http://schemas.microsoft.com/office/drawing/2014/main" val="2034482246"/>
+                    <a16:rowId xmlns:a16="http://schemas.microsoft.com/office/drawing/2014/main" xmlns="" val="2034482246"/>
                   </a:ext>
                 </a:extLst>
               </a:tr>
@@ -28615,7 +28603,7 @@
                 </a:tc>
                 <a:extLst>
                   <a:ext uri="{0D108BD9-81ED-4DB2-BD59-A6C34878D82A}">
-                    <a16:rowId xmlns="" xmlns:a16="http://schemas.microsoft.com/office/drawing/2014/main" val="682465758"/>
+                    <a16:rowId xmlns:a16="http://schemas.microsoft.com/office/drawing/2014/main" xmlns="" val="682465758"/>
                   </a:ext>
                 </a:extLst>
               </a:tr>
@@ -28742,7 +28730,7 @@
                 </a:tc>
                 <a:extLst>
                   <a:ext uri="{0D108BD9-81ED-4DB2-BD59-A6C34878D82A}">
-                    <a16:rowId xmlns="" xmlns:a16="http://schemas.microsoft.com/office/drawing/2014/main" val="4230228483"/>
+                    <a16:rowId xmlns:a16="http://schemas.microsoft.com/office/drawing/2014/main" xmlns="" val="4230228483"/>
                   </a:ext>
                 </a:extLst>
               </a:tr>
@@ -28875,7 +28863,7 @@
                 </a:tc>
                 <a:extLst>
                   <a:ext uri="{0D108BD9-81ED-4DB2-BD59-A6C34878D82A}">
-                    <a16:rowId xmlns="" xmlns:a16="http://schemas.microsoft.com/office/drawing/2014/main" val="3329658239"/>
+                    <a16:rowId xmlns:a16="http://schemas.microsoft.com/office/drawing/2014/main" xmlns="" val="3329658239"/>
                   </a:ext>
                 </a:extLst>
               </a:tr>
@@ -29008,7 +28996,7 @@
                 </a:tc>
                 <a:extLst>
                   <a:ext uri="{0D108BD9-81ED-4DB2-BD59-A6C34878D82A}">
-                    <a16:rowId xmlns="" xmlns:a16="http://schemas.microsoft.com/office/drawing/2014/main" val="10005"/>
+                    <a16:rowId xmlns:a16="http://schemas.microsoft.com/office/drawing/2014/main" xmlns="" val="10005"/>
                   </a:ext>
                 </a:extLst>
               </a:tr>
@@ -29966,8 +29954,37 @@
             </a:pPr>
             <a:r>
               <a:rPr lang="en-US" dirty="0"/>
-              <a:t>Automate to transform</a:t>
-            </a:r>
+              <a:t>Automate to </a:t>
+            </a:r>
+            <a:r>
+              <a:rPr lang="en-US" dirty="0" smtClean="0"/>
+              <a:t>transform</a:t>
+            </a:r>
+          </a:p>
+          <a:p>
+            <a:pPr>
+              <a:buFont typeface="Wingdings" charset="2"/>
+              <a:buChar char="§"/>
+            </a:pPr>
+            <a:r>
+              <a:rPr lang="en-US" dirty="0" smtClean="0"/>
+              <a:t>Cross platform</a:t>
+            </a:r>
+          </a:p>
+          <a:p>
+            <a:pPr>
+              <a:buFont typeface="Wingdings" charset="2"/>
+              <a:buChar char="§"/>
+            </a:pPr>
+            <a:r>
+              <a:rPr lang="en-US" dirty="0" smtClean="0"/>
+              <a:t>Azure has the widest range of compatibility</a:t>
+            </a:r>
+            <a:r>
+              <a:rPr lang="en-US" dirty="0" smtClean="0"/>
+              <a:t> </a:t>
+            </a:r>
+            <a:endParaRPr lang="en-US" dirty="0"/>
           </a:p>
         </p:txBody>
       </p:sp>
@@ -35227,7 +35244,7 @@
   <a:extraClrSchemeLst/>
   <a:extLst>
     <a:ext uri="{05A4C25C-085E-4340-85A3-A5531E510DB2}">
-      <thm15:themeFamily xmlns:thm15="http://schemas.microsoft.com/office/thememl/2012/main" xmlns="" name="Azure4ResearchTemplate" id="{DD1C6CE8-BDBA-0D4F-9930-3643ABC8EF0E}" vid="{B5C66FD7-0952-994B-96D6-AB3BB89097FE}"/>
+      <thm15:themeFamily xmlns="" xmlns:thm15="http://schemas.microsoft.com/office/thememl/2012/main" name="Azure4ResearchTemplate" id="{DD1C6CE8-BDBA-0D4F-9930-3643ABC8EF0E}" vid="{B5C66FD7-0952-994B-96D6-AB3BB89097FE}"/>
     </a:ext>
   </a:extLst>
 </a:theme>
@@ -35496,7 +35513,7 @@
   <a:extraClrSchemeLst/>
   <a:extLst>
     <a:ext uri="{05A4C25C-085E-4340-85A3-A5531E510DB2}">
-      <thm15:themeFamily xmlns:thm15="http://schemas.microsoft.com/office/thememl/2012/main" xmlns="" name="Office Theme" id="{62F939B6-93AF-4DB8-9C6B-D6C7DFDC589F}" vid="{4A3C46E8-61CC-4603-A589-7422A47A8E4A}"/>
+      <thm15:themeFamily xmlns="" xmlns:thm15="http://schemas.microsoft.com/office/thememl/2012/main" name="Office Theme" id="{62F939B6-93AF-4DB8-9C6B-D6C7DFDC589F}" vid="{4A3C46E8-61CC-4603-A589-7422A47A8E4A}"/>
     </a:ext>
   </a:extLst>
 </a:theme>
@@ -35765,7 +35782,7 @@
   <a:extraClrSchemeLst/>
   <a:extLst>
     <a:ext uri="{05A4C25C-085E-4340-85A3-A5531E510DB2}">
-      <thm15:themeFamily xmlns:thm15="http://schemas.microsoft.com/office/thememl/2012/main" xmlns="" name="Office Theme" id="{62F939B6-93AF-4DB8-9C6B-D6C7DFDC589F}" vid="{4A3C46E8-61CC-4603-A589-7422A47A8E4A}"/>
+      <thm15:themeFamily xmlns="" xmlns:thm15="http://schemas.microsoft.com/office/thememl/2012/main" name="Office Theme" id="{62F939B6-93AF-4DB8-9C6B-D6C7DFDC589F}" vid="{4A3C46E8-61CC-4603-A589-7422A47A8E4A}"/>
     </a:ext>
   </a:extLst>
 </a:theme>
@@ -36026,7 +36043,7 @@
   <a:extraClrSchemeLst/>
   <a:extLst>
     <a:ext uri="{05A4C25C-085E-4340-85A3-A5531E510DB2}">
-      <thm15:themeFamily xmlns:thm15="http://schemas.microsoft.com/office/thememl/2012/main" xmlns="" name="Office Theme" id="{62F939B6-93AF-4DB8-9C6B-D6C7DFDC589F}" vid="{4A3C46E8-61CC-4603-A589-7422A47A8E4A}"/>
+      <thm15:themeFamily xmlns="" xmlns:thm15="http://schemas.microsoft.com/office/thememl/2012/main" name="Office Theme" id="{62F939B6-93AF-4DB8-9C6B-D6C7DFDC589F}" vid="{4A3C46E8-61CC-4603-A589-7422A47A8E4A}"/>
     </a:ext>
   </a:extLst>
 </a:theme>
@@ -36321,7 +36338,7 @@
   <a:extraClrSchemeLst/>
   <a:extLst>
     <a:ext uri="{05A4C25C-085E-4340-85A3-A5531E510DB2}">
-      <thm15:themeFamily xmlns:thm15="http://schemas.microsoft.com/office/thememl/2012/main" xmlns="" name="Office Theme" id="{62F939B6-93AF-4DB8-9C6B-D6C7DFDC589F}" vid="{4A3C46E8-61CC-4603-A589-7422A47A8E4A}"/>
+      <thm15:themeFamily xmlns="" xmlns:thm15="http://schemas.microsoft.com/office/thememl/2012/main" name="Office Theme" id="{62F939B6-93AF-4DB8-9C6B-D6C7DFDC589F}" vid="{4A3C46E8-61CC-4603-A589-7422A47A8E4A}"/>
     </a:ext>
   </a:extLst>
 </a:theme>
